--- a/Presentation.pptx
+++ b/Presentation.pptx
@@ -5,7 +5,7 @@
     <p:sldMasterId id="2147483648" r:id="rId1"/>
   </p:sldMasterIdLst>
   <p:notesMasterIdLst>
-    <p:notesMasterId r:id="rId17"/>
+    <p:notesMasterId r:id="rId18"/>
   </p:notesMasterIdLst>
   <p:sldIdLst>
     <p:sldId id="256" r:id="rId2"/>
@@ -22,7 +22,8 @@
     <p:sldId id="271" r:id="rId13"/>
     <p:sldId id="268" r:id="rId14"/>
     <p:sldId id="270" r:id="rId15"/>
-    <p:sldId id="272" r:id="rId16"/>
+    <p:sldId id="273" r:id="rId16"/>
+    <p:sldId id="274" r:id="rId17"/>
   </p:sldIdLst>
   <p:sldSz cx="9144000" cy="5143500" type="screen16x9"/>
   <p:notesSz cx="6858000" cy="9144000"/>
@@ -222,7 +223,7 @@
           <a:p>
             <a:fld id="{C8D18E60-4300-4729-A0D7-6AB984C3922D}" type="datetimeFigureOut">
               <a:rPr lang="en-US" smtClean="0"/>
-              <a:t>09/06/2022</a:t>
+              <a:t>10/06/2022</a:t>
             </a:fld>
             <a:endParaRPr lang="en-US"/>
           </a:p>
@@ -711,7 +712,7 @@
             <a:fld id="{53074F12-AA26-4AC8-9962-C36BB8F32554}" type="datetimeFigureOut">
               <a:rPr lang="en-US" smtClean="0"/>
               <a:pPr/>
-              <a:t>09/06/2022</a:t>
+              <a:t>10/06/2022</a:t>
             </a:fld>
             <a:endParaRPr lang="en-US"/>
           </a:p>
@@ -965,7 +966,7 @@
             <a:fld id="{53074F12-AA26-4AC8-9962-C36BB8F32554}" type="datetimeFigureOut">
               <a:rPr lang="en-US" smtClean="0"/>
               <a:pPr/>
-              <a:t>09/06/2022</a:t>
+              <a:t>10/06/2022</a:t>
             </a:fld>
             <a:endParaRPr lang="en-US"/>
           </a:p>
@@ -1135,7 +1136,7 @@
             <a:fld id="{53074F12-AA26-4AC8-9962-C36BB8F32554}" type="datetimeFigureOut">
               <a:rPr lang="en-US" smtClean="0"/>
               <a:pPr/>
-              <a:t>09/06/2022</a:t>
+              <a:t>10/06/2022</a:t>
             </a:fld>
             <a:endParaRPr lang="en-US"/>
           </a:p>
@@ -1315,7 +1316,7 @@
             <a:fld id="{53074F12-AA26-4AC8-9962-C36BB8F32554}" type="datetimeFigureOut">
               <a:rPr lang="en-US" smtClean="0"/>
               <a:pPr/>
-              <a:t>09/06/2022</a:t>
+              <a:t>10/06/2022</a:t>
             </a:fld>
             <a:endParaRPr lang="en-US"/>
           </a:p>
@@ -1615,7 +1616,7 @@
             <a:fld id="{53074F12-AA26-4AC8-9962-C36BB8F32554}" type="datetimeFigureOut">
               <a:rPr lang="en-US" smtClean="0"/>
               <a:pPr/>
-              <a:t>09/06/2022</a:t>
+              <a:t>10/06/2022</a:t>
             </a:fld>
             <a:endParaRPr lang="en-US"/>
           </a:p>
@@ -1874,7 +1875,7 @@
             <a:fld id="{53074F12-AA26-4AC8-9962-C36BB8F32554}" type="datetimeFigureOut">
               <a:rPr lang="en-US" smtClean="0"/>
               <a:pPr/>
-              <a:t>09/06/2022</a:t>
+              <a:t>10/06/2022</a:t>
             </a:fld>
             <a:endParaRPr lang="en-US"/>
           </a:p>
@@ -2121,7 +2122,7 @@
             <a:fld id="{53074F12-AA26-4AC8-9962-C36BB8F32554}" type="datetimeFigureOut">
               <a:rPr lang="en-US" smtClean="0"/>
               <a:pPr/>
-              <a:t>09/06/2022</a:t>
+              <a:t>10/06/2022</a:t>
             </a:fld>
             <a:endParaRPr lang="en-US"/>
           </a:p>
@@ -2408,7 +2409,7 @@
             <a:fld id="{53074F12-AA26-4AC8-9962-C36BB8F32554}" type="datetimeFigureOut">
               <a:rPr lang="en-US" smtClean="0"/>
               <a:pPr/>
-              <a:t>09/06/2022</a:t>
+              <a:t>10/06/2022</a:t>
             </a:fld>
             <a:endParaRPr lang="en-US"/>
           </a:p>
@@ -2934,7 +2935,7 @@
             <a:fld id="{53074F12-AA26-4AC8-9962-C36BB8F32554}" type="datetimeFigureOut">
               <a:rPr lang="en-US" smtClean="0"/>
               <a:pPr/>
-              <a:t>09/06/2022</a:t>
+              <a:t>10/06/2022</a:t>
             </a:fld>
             <a:endParaRPr lang="en-US"/>
           </a:p>
@@ -3053,7 +3054,7 @@
             <a:fld id="{53074F12-AA26-4AC8-9962-C36BB8F32554}" type="datetimeFigureOut">
               <a:rPr lang="en-US" smtClean="0"/>
               <a:pPr/>
-              <a:t>09/06/2022</a:t>
+              <a:t>10/06/2022</a:t>
             </a:fld>
             <a:endParaRPr lang="en-US"/>
           </a:p>
@@ -3150,7 +3151,7 @@
             <a:fld id="{53074F12-AA26-4AC8-9962-C36BB8F32554}" type="datetimeFigureOut">
               <a:rPr lang="en-US" smtClean="0"/>
               <a:pPr/>
-              <a:t>09/06/2022</a:t>
+              <a:t>10/06/2022</a:t>
             </a:fld>
             <a:endParaRPr lang="en-US"/>
           </a:p>
@@ -3427,7 +3428,7 @@
             <a:fld id="{53074F12-AA26-4AC8-9962-C36BB8F32554}" type="datetimeFigureOut">
               <a:rPr lang="en-US" smtClean="0"/>
               <a:pPr/>
-              <a:t>09/06/2022</a:t>
+              <a:t>10/06/2022</a:t>
             </a:fld>
             <a:endParaRPr lang="en-US"/>
           </a:p>
@@ -3649,7 +3650,7 @@
             <a:fld id="{53074F12-AA26-4AC8-9962-C36BB8F32554}" type="datetimeFigureOut">
               <a:rPr lang="en-US" smtClean="0"/>
               <a:pPr/>
-              <a:t>09/06/2022</a:t>
+              <a:t>10/06/2022</a:t>
             </a:fld>
             <a:endParaRPr lang="en-US"/>
           </a:p>
@@ -4720,6 +4721,36 @@
           </a:p>
         </p:txBody>
       </p:sp>
+      <p:pic>
+        <p:nvPicPr>
+          <p:cNvPr id="7" name="Picture 6"/>
+          <p:cNvPicPr>
+            <a:picLocks noChangeAspect="1"/>
+          </p:cNvPicPr>
+          <p:nvPr/>
+        </p:nvPicPr>
+        <p:blipFill>
+          <a:blip r:embed="rId3">
+            <a:extLst>
+              <a:ext uri="{28A0092B-C50C-407E-A947-70E740481C1C}">
+                <a14:useLocalDpi xmlns:a14="http://schemas.microsoft.com/office/drawing/2010/main" val="0"/>
+              </a:ext>
+            </a:extLst>
+          </a:blip>
+          <a:stretch>
+            <a:fillRect/>
+          </a:stretch>
+        </p:blipFill>
+        <p:spPr>
+          <a:xfrm>
+            <a:off x="143554" y="4402378"/>
+            <a:ext cx="610821" cy="610821"/>
+          </a:xfrm>
+          <a:prstGeom prst="rect">
+            <a:avLst/>
+          </a:prstGeom>
+        </p:spPr>
+      </p:pic>
     </p:spTree>
     <p:extLst>
       <p:ext uri="{BB962C8B-B14F-4D97-AF65-F5344CB8AC3E}">
@@ -5099,11 +5130,13 @@
         <p:spPr>
           <a:xfrm>
             <a:off x="409771" y="1350111"/>
-            <a:ext cx="3856819" cy="3512214"/>
+            <a:ext cx="3856819" cy="3206804"/>
           </a:xfrm>
         </p:spPr>
         <p:txBody>
-          <a:bodyPr anchor="t"/>
+          <a:bodyPr anchor="t">
+            <a:normAutofit lnSpcReduction="10000"/>
+          </a:bodyPr>
           <a:lstStyle/>
           <a:p>
             <a:pPr algn="l"/>
@@ -5151,7 +5184,7 @@
               <a:t>the process is: </a:t>
             </a:r>
             <a:r>
-              <a:rPr lang="en-US" dirty="0"/>
+              <a:rPr lang="en-US" dirty="0" smtClean="0"/>
               <a:t>print-wait-delete-print</a:t>
             </a:r>
             <a:endParaRPr lang="en-US" b="0" dirty="0"/>
@@ -5176,6 +5209,36 @@
           <a:xfrm>
             <a:off x="4419295" y="1547330"/>
             <a:ext cx="4621588" cy="3314995"/>
+          </a:xfrm>
+          <a:prstGeom prst="rect">
+            <a:avLst/>
+          </a:prstGeom>
+        </p:spPr>
+      </p:pic>
+      <p:pic>
+        <p:nvPicPr>
+          <p:cNvPr id="6" name="Picture 5"/>
+          <p:cNvPicPr>
+            <a:picLocks noChangeAspect="1"/>
+          </p:cNvPicPr>
+          <p:nvPr/>
+        </p:nvPicPr>
+        <p:blipFill>
+          <a:blip r:embed="rId3">
+            <a:extLst>
+              <a:ext uri="{28A0092B-C50C-407E-A947-70E740481C1C}">
+                <a14:useLocalDpi xmlns:a14="http://schemas.microsoft.com/office/drawing/2010/main" val="0"/>
+              </a:ext>
+            </a:extLst>
+          </a:blip>
+          <a:stretch>
+            <a:fillRect/>
+          </a:stretch>
+        </p:blipFill>
+        <p:spPr>
+          <a:xfrm>
+            <a:off x="143554" y="4402378"/>
+            <a:ext cx="610821" cy="610821"/>
           </a:xfrm>
           <a:prstGeom prst="rect">
             <a:avLst/>
@@ -5573,11 +5636,7 @@
             <a:pPr algn="l"/>
             <a:r>
               <a:rPr lang="en-US" b="0" dirty="0" smtClean="0"/>
-              <a:t> - When the current block hit the bottom edge of the game area, the game thread creates and spawns a new block and the reference to the new block object is stored in th</a:t>
-            </a:r>
-            <a:r>
-              <a:rPr lang="en-US" b="0" dirty="0" smtClean="0"/>
-              <a:t>e variable block</a:t>
+              <a:t> - When the current block hit the bottom edge of the game area, the game thread creates and spawns a new block and the reference to the new block object is stored in the variable block</a:t>
             </a:r>
             <a:endParaRPr lang="en-US" dirty="0"/>
           </a:p>
@@ -5603,6 +5662,36 @@
           <a:xfrm>
             <a:off x="5061798" y="1349375"/>
             <a:ext cx="3173305" cy="3513138"/>
+          </a:xfrm>
+          <a:prstGeom prst="rect">
+            <a:avLst/>
+          </a:prstGeom>
+        </p:spPr>
+      </p:pic>
+      <p:pic>
+        <p:nvPicPr>
+          <p:cNvPr id="6" name="Picture 5"/>
+          <p:cNvPicPr>
+            <a:picLocks noChangeAspect="1"/>
+          </p:cNvPicPr>
+          <p:nvPr/>
+        </p:nvPicPr>
+        <p:blipFill>
+          <a:blip r:embed="rId3">
+            <a:extLst>
+              <a:ext uri="{28A0092B-C50C-407E-A947-70E740481C1C}">
+                <a14:useLocalDpi xmlns:a14="http://schemas.microsoft.com/office/drawing/2010/main" val="0"/>
+              </a:ext>
+            </a:extLst>
+          </a:blip>
+          <a:stretch>
+            <a:fillRect/>
+          </a:stretch>
+        </p:blipFill>
+        <p:spPr>
+          <a:xfrm>
+            <a:off x="143554" y="4404210"/>
+            <a:ext cx="610821" cy="610821"/>
           </a:xfrm>
           <a:prstGeom prst="rect">
             <a:avLst/>
@@ -6003,6 +6092,36 @@
           </a:prstGeom>
         </p:spPr>
       </p:pic>
+      <p:pic>
+        <p:nvPicPr>
+          <p:cNvPr id="5" name="Picture 4"/>
+          <p:cNvPicPr>
+            <a:picLocks noChangeAspect="1"/>
+          </p:cNvPicPr>
+          <p:nvPr/>
+        </p:nvPicPr>
+        <p:blipFill>
+          <a:blip r:embed="rId3">
+            <a:extLst>
+              <a:ext uri="{28A0092B-C50C-407E-A947-70E740481C1C}">
+                <a14:useLocalDpi xmlns:a14="http://schemas.microsoft.com/office/drawing/2010/main" val="0"/>
+              </a:ext>
+            </a:extLst>
+          </a:blip>
+          <a:stretch>
+            <a:fillRect/>
+          </a:stretch>
+        </p:blipFill>
+        <p:spPr>
+          <a:xfrm>
+            <a:off x="143554" y="4402378"/>
+            <a:ext cx="610821" cy="610821"/>
+          </a:xfrm>
+          <a:prstGeom prst="rect">
+            <a:avLst/>
+          </a:prstGeom>
+        </p:spPr>
+      </p:pic>
     </p:spTree>
     <p:extLst>
       <p:ext uri="{BB962C8B-B14F-4D97-AF65-F5344CB8AC3E}">
@@ -6424,6 +6543,36 @@
           </a:p>
         </p:txBody>
       </p:sp>
+      <p:pic>
+        <p:nvPicPr>
+          <p:cNvPr id="4" name="Picture 3"/>
+          <p:cNvPicPr>
+            <a:picLocks noChangeAspect="1"/>
+          </p:cNvPicPr>
+          <p:nvPr/>
+        </p:nvPicPr>
+        <p:blipFill>
+          <a:blip r:embed="rId2">
+            <a:extLst>
+              <a:ext uri="{28A0092B-C50C-407E-A947-70E740481C1C}">
+                <a14:useLocalDpi xmlns:a14="http://schemas.microsoft.com/office/drawing/2010/main" val="0"/>
+              </a:ext>
+            </a:extLst>
+          </a:blip>
+          <a:stretch>
+            <a:fillRect/>
+          </a:stretch>
+        </p:blipFill>
+        <p:spPr>
+          <a:xfrm>
+            <a:off x="143554" y="4402378"/>
+            <a:ext cx="610821" cy="610821"/>
+          </a:xfrm>
+          <a:prstGeom prst="rect">
+            <a:avLst/>
+          </a:prstGeom>
+        </p:spPr>
+      </p:pic>
     </p:spTree>
     <p:extLst>
       <p:ext uri="{BB962C8B-B14F-4D97-AF65-F5344CB8AC3E}">
@@ -6615,36 +6764,131 @@
             <p:ph type="title"/>
           </p:nvPr>
         </p:nvSpPr>
-        <p:spPr>
-          <a:xfrm>
-            <a:off x="448965" y="1502815"/>
-            <a:ext cx="8246070" cy="3054100"/>
-          </a:xfrm>
-        </p:spPr>
+        <p:spPr/>
         <p:txBody>
           <a:bodyPr/>
           <a:lstStyle/>
           <a:p>
             <a:r>
-              <a:rPr lang="en-US" dirty="0" smtClean="0">
+              <a:rPr lang="en-US" dirty="0" smtClean="0"/>
+              <a:t>Reference</a:t>
+            </a:r>
+            <a:endParaRPr lang="en-US" dirty="0"/>
+          </a:p>
+        </p:txBody>
+      </p:sp>
+      <p:sp>
+        <p:nvSpPr>
+          <p:cNvPr id="3" name="Content Placeholder 2"/>
+          <p:cNvSpPr>
+            <a:spLocks noGrp="1"/>
+          </p:cNvSpPr>
+          <p:nvPr>
+            <p:ph idx="1"/>
+          </p:nvPr>
+        </p:nvSpPr>
+        <p:spPr/>
+        <p:txBody>
+          <a:bodyPr/>
+          <a:lstStyle/>
+          <a:p>
+            <a:r>
+              <a:rPr lang="en-US" b="1" dirty="0" smtClean="0">
                 <a:solidFill>
-                  <a:schemeClr val="bg1"/>
+                  <a:schemeClr val="tx1"/>
                 </a:solidFill>
+                <a:hlinkClick r:id="rId2"/>
               </a:rPr>
-              <a:t>Thank you for listening !</a:t>
-            </a:r>
-            <a:endParaRPr lang="en-US" dirty="0">
+              <a:t>http</a:t>
+            </a:r>
+            <a:r>
+              <a:rPr lang="en-US" b="1" dirty="0">
+                <a:solidFill>
+                  <a:schemeClr val="tx1"/>
+                </a:solidFill>
+                <a:hlinkClick r:id="rId2"/>
+              </a:rPr>
+              <a:t>://</a:t>
+            </a:r>
+            <a:r>
+              <a:rPr lang="en-US" b="1" dirty="0" smtClean="0">
+                <a:solidFill>
+                  <a:schemeClr val="tx1"/>
+                </a:solidFill>
+                <a:hlinkClick r:id="rId2"/>
+              </a:rPr>
+              <a:t>www.geom.uiuc.edu/java/tetris/explanation.html</a:t>
+            </a:r>
+            <a:endParaRPr lang="en-US" b="1" dirty="0" smtClean="0">
               <a:solidFill>
-                <a:schemeClr val="bg1"/>
+                <a:schemeClr val="tx1"/>
               </a:solidFill>
             </a:endParaRPr>
           </a:p>
+          <a:p>
+            <a:r>
+              <a:rPr lang="en-US" b="1" dirty="0">
+                <a:solidFill>
+                  <a:schemeClr val="tx1"/>
+                </a:solidFill>
+                <a:hlinkClick r:id="rId3"/>
+              </a:rPr>
+              <a:t>https://</a:t>
+            </a:r>
+            <a:r>
+              <a:rPr lang="en-US" b="1" dirty="0" smtClean="0">
+                <a:solidFill>
+                  <a:schemeClr val="tx1"/>
+                </a:solidFill>
+                <a:hlinkClick r:id="rId3"/>
+              </a:rPr>
+              <a:t>www.iodraw.com/en/blog/211243890</a:t>
+            </a:r>
+            <a:endParaRPr lang="en-US" b="1" dirty="0" smtClean="0">
+              <a:solidFill>
+                <a:schemeClr val="tx1"/>
+              </a:solidFill>
+            </a:endParaRPr>
+          </a:p>
+          <a:p>
+            <a:endParaRPr lang="en-US" b="1" dirty="0"/>
+          </a:p>
         </p:txBody>
       </p:sp>
+      <p:pic>
+        <p:nvPicPr>
+          <p:cNvPr id="4" name="Picture 3"/>
+          <p:cNvPicPr>
+            <a:picLocks noChangeAspect="1"/>
+          </p:cNvPicPr>
+          <p:nvPr/>
+        </p:nvPicPr>
+        <p:blipFill>
+          <a:blip r:embed="rId4">
+            <a:extLst>
+              <a:ext uri="{28A0092B-C50C-407E-A947-70E740481C1C}">
+                <a14:useLocalDpi xmlns:a14="http://schemas.microsoft.com/office/drawing/2010/main" val="0"/>
+              </a:ext>
+            </a:extLst>
+          </a:blip>
+          <a:stretch>
+            <a:fillRect/>
+          </a:stretch>
+        </p:blipFill>
+        <p:spPr>
+          <a:xfrm>
+            <a:off x="143554" y="4402378"/>
+            <a:ext cx="610821" cy="610821"/>
+          </a:xfrm>
+          <a:prstGeom prst="rect">
+            <a:avLst/>
+          </a:prstGeom>
+        </p:spPr>
+      </p:pic>
     </p:spTree>
     <p:extLst>
       <p:ext uri="{BB962C8B-B14F-4D97-AF65-F5344CB8AC3E}">
-        <p14:creationId xmlns:p14="http://schemas.microsoft.com/office/powerpoint/2010/main" val="1074689532"/>
+        <p14:creationId xmlns:p14="http://schemas.microsoft.com/office/powerpoint/2010/main" val="2255677642"/>
       </p:ext>
     </p:extLst>
   </p:cSld>
@@ -6675,7 +6919,7 @@
                             </p:stCondLst>
                             <p:childTnLst>
                               <p:par>
-                                <p:cTn id="5" presetID="14" presetClass="entr" presetSubtype="10" fill="hold" grpId="0" nodeType="clickEffect">
+                                <p:cTn id="5" presetID="22" presetClass="entr" presetSubtype="4" fill="hold" grpId="0" nodeType="clickEffect">
                                   <p:stCondLst>
                                     <p:cond delay="0"/>
                                   </p:stCondLst>
@@ -6698,9 +6942,438 @@
                                         <p:strVal val="visible"/>
                                       </p:to>
                                     </p:set>
-                                    <p:animEffect transition="in" filter="randombar(horizontal)">
+                                    <p:animEffect transition="in" filter="wipe(down)">
                                       <p:cBhvr>
                                         <p:cTn id="7" dur="500"/>
+                                        <p:tgtEl>
+                                          <p:spTgt spid="2"/>
+                                        </p:tgtEl>
+                                      </p:cBhvr>
+                                    </p:animEffect>
+                                  </p:childTnLst>
+                                </p:cTn>
+                              </p:par>
+                              <p:par>
+                                <p:cTn id="8" presetID="16" presetClass="entr" presetSubtype="21" fill="hold" nodeType="withEffect">
+                                  <p:stCondLst>
+                                    <p:cond delay="0"/>
+                                  </p:stCondLst>
+                                  <p:childTnLst>
+                                    <p:set>
+                                      <p:cBhvr>
+                                        <p:cTn id="9" dur="1" fill="hold">
+                                          <p:stCondLst>
+                                            <p:cond delay="0"/>
+                                          </p:stCondLst>
+                                        </p:cTn>
+                                        <p:tgtEl>
+                                          <p:spTgt spid="3">
+                                            <p:txEl>
+                                              <p:pRg st="0" end="0"/>
+                                            </p:txEl>
+                                          </p:spTgt>
+                                        </p:tgtEl>
+                                        <p:attrNameLst>
+                                          <p:attrName>style.visibility</p:attrName>
+                                        </p:attrNameLst>
+                                      </p:cBhvr>
+                                      <p:to>
+                                        <p:strVal val="visible"/>
+                                      </p:to>
+                                    </p:set>
+                                    <p:animEffect transition="in" filter="barn(inVertical)">
+                                      <p:cBhvr>
+                                        <p:cTn id="10" dur="500"/>
+                                        <p:tgtEl>
+                                          <p:spTgt spid="3">
+                                            <p:txEl>
+                                              <p:pRg st="0" end="0"/>
+                                            </p:txEl>
+                                          </p:spTgt>
+                                        </p:tgtEl>
+                                      </p:cBhvr>
+                                    </p:animEffect>
+                                  </p:childTnLst>
+                                </p:cTn>
+                              </p:par>
+                              <p:par>
+                                <p:cTn id="11" presetID="16" presetClass="entr" presetSubtype="21" fill="hold" nodeType="withEffect">
+                                  <p:stCondLst>
+                                    <p:cond delay="0"/>
+                                  </p:stCondLst>
+                                  <p:childTnLst>
+                                    <p:set>
+                                      <p:cBhvr>
+                                        <p:cTn id="12" dur="1" fill="hold">
+                                          <p:stCondLst>
+                                            <p:cond delay="0"/>
+                                          </p:stCondLst>
+                                        </p:cTn>
+                                        <p:tgtEl>
+                                          <p:spTgt spid="3">
+                                            <p:txEl>
+                                              <p:pRg st="1" end="1"/>
+                                            </p:txEl>
+                                          </p:spTgt>
+                                        </p:tgtEl>
+                                        <p:attrNameLst>
+                                          <p:attrName>style.visibility</p:attrName>
+                                        </p:attrNameLst>
+                                      </p:cBhvr>
+                                      <p:to>
+                                        <p:strVal val="visible"/>
+                                      </p:to>
+                                    </p:set>
+                                    <p:animEffect transition="in" filter="barn(inVertical)">
+                                      <p:cBhvr>
+                                        <p:cTn id="13" dur="500"/>
+                                        <p:tgtEl>
+                                          <p:spTgt spid="3">
+                                            <p:txEl>
+                                              <p:pRg st="1" end="1"/>
+                                            </p:txEl>
+                                          </p:spTgt>
+                                        </p:tgtEl>
+                                      </p:cBhvr>
+                                    </p:animEffect>
+                                  </p:childTnLst>
+                                </p:cTn>
+                              </p:par>
+                            </p:childTnLst>
+                          </p:cTn>
+                        </p:par>
+                      </p:childTnLst>
+                    </p:cTn>
+                  </p:par>
+                </p:childTnLst>
+              </p:cTn>
+              <p:prevCondLst>
+                <p:cond evt="onPrev" delay="0">
+                  <p:tgtEl>
+                    <p:sldTgt/>
+                  </p:tgtEl>
+                </p:cond>
+              </p:prevCondLst>
+              <p:nextCondLst>
+                <p:cond evt="onNext" delay="0">
+                  <p:tgtEl>
+                    <p:sldTgt/>
+                  </p:tgtEl>
+                </p:cond>
+              </p:nextCondLst>
+            </p:seq>
+          </p:childTnLst>
+        </p:cTn>
+      </p:par>
+    </p:tnLst>
+    <p:bldLst>
+      <p:bldP spid="2" grpId="0"/>
+    </p:bldLst>
+  </p:timing>
+</p:sld>
+</file>
+
+<file path=ppt/slides/slide16.xml><?xml version="1.0" encoding="utf-8"?>
+<p:sld xmlns:a="http://schemas.openxmlformats.org/drawingml/2006/main" xmlns:r="http://schemas.openxmlformats.org/officeDocument/2006/relationships" xmlns:p="http://schemas.openxmlformats.org/presentationml/2006/main">
+  <p:cSld>
+    <p:spTree>
+      <p:nvGrpSpPr>
+        <p:cNvPr id="1" name=""/>
+        <p:cNvGrpSpPr/>
+        <p:nvPr/>
+      </p:nvGrpSpPr>
+      <p:grpSpPr>
+        <a:xfrm>
+          <a:off x="0" y="0"/>
+          <a:ext cx="0" cy="0"/>
+          <a:chOff x="0" y="0"/>
+          <a:chExt cx="0" cy="0"/>
+        </a:xfrm>
+      </p:grpSpPr>
+      <p:sp>
+        <p:nvSpPr>
+          <p:cNvPr id="2" name="Title 1"/>
+          <p:cNvSpPr>
+            <a:spLocks noGrp="1"/>
+          </p:cNvSpPr>
+          <p:nvPr>
+            <p:ph type="title"/>
+          </p:nvPr>
+        </p:nvSpPr>
+        <p:spPr>
+          <a:xfrm>
+            <a:off x="1823310" y="3487980"/>
+            <a:ext cx="5486400" cy="1109170"/>
+          </a:xfrm>
+        </p:spPr>
+        <p:txBody>
+          <a:bodyPr anchor="ctr">
+            <a:normAutofit/>
+          </a:bodyPr>
+          <a:lstStyle/>
+          <a:p>
+            <a:pPr algn="ctr"/>
+            <a:r>
+              <a:rPr lang="en-US" sz="3200" dirty="0">
+                <a:solidFill>
+                  <a:schemeClr val="bg1"/>
+                </a:solidFill>
+              </a:rPr>
+              <a:t>Thank you for listening !</a:t>
+            </a:r>
+            <a:endParaRPr lang="en-US" sz="3200" dirty="0"/>
+          </a:p>
+        </p:txBody>
+      </p:sp>
+      <p:pic>
+        <p:nvPicPr>
+          <p:cNvPr id="8" name="Picture 7"/>
+          <p:cNvPicPr>
+            <a:picLocks noChangeAspect="1"/>
+          </p:cNvPicPr>
+          <p:nvPr/>
+        </p:nvPicPr>
+        <p:blipFill>
+          <a:blip r:embed="rId2">
+            <a:extLst>
+              <a:ext uri="{28A0092B-C50C-407E-A947-70E740481C1C}">
+                <a14:useLocalDpi xmlns:a14="http://schemas.microsoft.com/office/drawing/2010/main" val="0"/>
+              </a:ext>
+            </a:extLst>
+          </a:blip>
+          <a:stretch>
+            <a:fillRect/>
+          </a:stretch>
+        </p:blipFill>
+        <p:spPr>
+          <a:xfrm>
+            <a:off x="3503065" y="1808225"/>
+            <a:ext cx="1832460" cy="1832460"/>
+          </a:xfrm>
+          <a:prstGeom prst="rect">
+            <a:avLst/>
+          </a:prstGeom>
+        </p:spPr>
+      </p:pic>
+      <p:pic>
+        <p:nvPicPr>
+          <p:cNvPr id="9" name="Picture 8"/>
+          <p:cNvPicPr>
+            <a:picLocks noChangeAspect="1"/>
+          </p:cNvPicPr>
+          <p:nvPr/>
+        </p:nvPicPr>
+        <p:blipFill>
+          <a:blip r:embed="rId3">
+            <a:extLst>
+              <a:ext uri="{28A0092B-C50C-407E-A947-70E740481C1C}">
+                <a14:useLocalDpi xmlns:a14="http://schemas.microsoft.com/office/drawing/2010/main" val="0"/>
+              </a:ext>
+            </a:extLst>
+          </a:blip>
+          <a:stretch>
+            <a:fillRect/>
+          </a:stretch>
+        </p:blipFill>
+        <p:spPr>
+          <a:xfrm>
+            <a:off x="143555" y="4139950"/>
+            <a:ext cx="914400" cy="914400"/>
+          </a:xfrm>
+          <a:prstGeom prst="rect">
+            <a:avLst/>
+          </a:prstGeom>
+        </p:spPr>
+      </p:pic>
+      <p:pic>
+        <p:nvPicPr>
+          <p:cNvPr id="10" name="Picture 9"/>
+          <p:cNvPicPr>
+            <a:picLocks noChangeAspect="1"/>
+          </p:cNvPicPr>
+          <p:nvPr/>
+        </p:nvPicPr>
+        <p:blipFill>
+          <a:blip r:embed="rId3">
+            <a:extLst>
+              <a:ext uri="{28A0092B-C50C-407E-A947-70E740481C1C}">
+                <a14:useLocalDpi xmlns:a14="http://schemas.microsoft.com/office/drawing/2010/main" val="0"/>
+              </a:ext>
+            </a:extLst>
+          </a:blip>
+          <a:stretch>
+            <a:fillRect/>
+          </a:stretch>
+        </p:blipFill>
+        <p:spPr>
+          <a:xfrm>
+            <a:off x="8075065" y="4139950"/>
+            <a:ext cx="914400" cy="914400"/>
+          </a:xfrm>
+          <a:prstGeom prst="rect">
+            <a:avLst/>
+          </a:prstGeom>
+        </p:spPr>
+      </p:pic>
+    </p:spTree>
+    <p:extLst>
+      <p:ext uri="{BB962C8B-B14F-4D97-AF65-F5344CB8AC3E}">
+        <p14:creationId xmlns:p14="http://schemas.microsoft.com/office/powerpoint/2010/main" val="4277579555"/>
+      </p:ext>
+    </p:extLst>
+  </p:cSld>
+  <p:clrMapOvr>
+    <a:masterClrMapping/>
+  </p:clrMapOvr>
+  <p:transition spd="slow">
+    <p:push dir="u"/>
+  </p:transition>
+  <p:timing>
+    <p:tnLst>
+      <p:par>
+        <p:cTn id="1" dur="indefinite" restart="never" nodeType="tmRoot">
+          <p:childTnLst>
+            <p:seq concurrent="1" nextAc="seek">
+              <p:cTn id="2" dur="indefinite" nodeType="mainSeq">
+                <p:childTnLst>
+                  <p:par>
+                    <p:cTn id="3" fill="hold">
+                      <p:stCondLst>
+                        <p:cond delay="indefinite"/>
+                      </p:stCondLst>
+                      <p:childTnLst>
+                        <p:par>
+                          <p:cTn id="4" fill="hold">
+                            <p:stCondLst>
+                              <p:cond delay="0"/>
+                            </p:stCondLst>
+                            <p:childTnLst>
+                              <p:par>
+                                <p:cTn id="5" presetID="53" presetClass="entr" presetSubtype="16" fill="hold" nodeType="clickEffect">
+                                  <p:stCondLst>
+                                    <p:cond delay="0"/>
+                                  </p:stCondLst>
+                                  <p:childTnLst>
+                                    <p:set>
+                                      <p:cBhvr>
+                                        <p:cTn id="6" dur="1" fill="hold">
+                                          <p:stCondLst>
+                                            <p:cond delay="0"/>
+                                          </p:stCondLst>
+                                        </p:cTn>
+                                        <p:tgtEl>
+                                          <p:spTgt spid="8"/>
+                                        </p:tgtEl>
+                                        <p:attrNameLst>
+                                          <p:attrName>style.visibility</p:attrName>
+                                        </p:attrNameLst>
+                                      </p:cBhvr>
+                                      <p:to>
+                                        <p:strVal val="visible"/>
+                                      </p:to>
+                                    </p:set>
+                                    <p:anim calcmode="lin" valueType="num">
+                                      <p:cBhvr>
+                                        <p:cTn id="7" dur="500" fill="hold"/>
+                                        <p:tgtEl>
+                                          <p:spTgt spid="8"/>
+                                        </p:tgtEl>
+                                        <p:attrNameLst>
+                                          <p:attrName>ppt_w</p:attrName>
+                                        </p:attrNameLst>
+                                      </p:cBhvr>
+                                      <p:tavLst>
+                                        <p:tav tm="0">
+                                          <p:val>
+                                            <p:fltVal val="0"/>
+                                          </p:val>
+                                        </p:tav>
+                                        <p:tav tm="100000">
+                                          <p:val>
+                                            <p:strVal val="#ppt_w"/>
+                                          </p:val>
+                                        </p:tav>
+                                      </p:tavLst>
+                                    </p:anim>
+                                    <p:anim calcmode="lin" valueType="num">
+                                      <p:cBhvr>
+                                        <p:cTn id="8" dur="500" fill="hold"/>
+                                        <p:tgtEl>
+                                          <p:spTgt spid="8"/>
+                                        </p:tgtEl>
+                                        <p:attrNameLst>
+                                          <p:attrName>ppt_h</p:attrName>
+                                        </p:attrNameLst>
+                                      </p:cBhvr>
+                                      <p:tavLst>
+                                        <p:tav tm="0">
+                                          <p:val>
+                                            <p:fltVal val="0"/>
+                                          </p:val>
+                                        </p:tav>
+                                        <p:tav tm="100000">
+                                          <p:val>
+                                            <p:strVal val="#ppt_h"/>
+                                          </p:val>
+                                        </p:tav>
+                                      </p:tavLst>
+                                    </p:anim>
+                                    <p:animEffect transition="in" filter="fade">
+                                      <p:cBhvr>
+                                        <p:cTn id="9" dur="500"/>
+                                        <p:tgtEl>
+                                          <p:spTgt spid="8"/>
+                                        </p:tgtEl>
+                                      </p:cBhvr>
+                                    </p:animEffect>
+                                  </p:childTnLst>
+                                </p:cTn>
+                              </p:par>
+                            </p:childTnLst>
+                          </p:cTn>
+                        </p:par>
+                      </p:childTnLst>
+                    </p:cTn>
+                  </p:par>
+                  <p:par>
+                    <p:cTn id="10" fill="hold">
+                      <p:stCondLst>
+                        <p:cond delay="indefinite"/>
+                      </p:stCondLst>
+                      <p:childTnLst>
+                        <p:par>
+                          <p:cTn id="11" fill="hold">
+                            <p:stCondLst>
+                              <p:cond delay="0"/>
+                            </p:stCondLst>
+                            <p:childTnLst>
+                              <p:par>
+                                <p:cTn id="12" presetID="16" presetClass="entr" presetSubtype="21" fill="hold" grpId="0" nodeType="clickEffect">
+                                  <p:stCondLst>
+                                    <p:cond delay="0"/>
+                                  </p:stCondLst>
+                                  <p:childTnLst>
+                                    <p:set>
+                                      <p:cBhvr>
+                                        <p:cTn id="13" dur="1" fill="hold">
+                                          <p:stCondLst>
+                                            <p:cond delay="0"/>
+                                          </p:stCondLst>
+                                        </p:cTn>
+                                        <p:tgtEl>
+                                          <p:spTgt spid="2"/>
+                                        </p:tgtEl>
+                                        <p:attrNameLst>
+                                          <p:attrName>style.visibility</p:attrName>
+                                        </p:attrNameLst>
+                                      </p:cBhvr>
+                                      <p:to>
+                                        <p:strVal val="visible"/>
+                                      </p:to>
+                                    </p:set>
+                                    <p:animEffect transition="in" filter="barn(inVertical)">
+                                      <p:cBhvr>
+                                        <p:cTn id="14" dur="500"/>
                                         <p:tgtEl>
                                           <p:spTgt spid="2"/>
                                         </p:tgtEl>
@@ -6873,7 +7546,7 @@
         <p:spPr>
           <a:xfrm>
             <a:off x="3420581" y="3320936"/>
-            <a:ext cx="2177065" cy="472398"/>
+            <a:ext cx="2177065" cy="777864"/>
           </a:xfrm>
         </p:spPr>
         <p:txBody>
@@ -6884,7 +7557,17 @@
           <a:p>
             <a:r>
               <a:rPr lang="en-US" sz="1600" dirty="0" smtClean="0"/>
-              <a:t>Le Van</a:t>
+              <a:t>Le </a:t>
+            </a:r>
+            <a:r>
+              <a:rPr lang="en-US" sz="1600" dirty="0" smtClean="0"/>
+              <a:t>Van</a:t>
+            </a:r>
+          </a:p>
+          <a:p>
+            <a:r>
+              <a:rPr lang="en-US" sz="1600" dirty="0" smtClean="0"/>
+              <a:t>ITITIU19242</a:t>
             </a:r>
             <a:endParaRPr lang="en-US" sz="1600" dirty="0"/>
           </a:p>
@@ -6983,6 +7666,36 @@
           </a:prstGeom>
         </p:spPr>
       </p:pic>
+      <p:pic>
+        <p:nvPicPr>
+          <p:cNvPr id="2" name="Picture 1"/>
+          <p:cNvPicPr>
+            <a:picLocks noChangeAspect="1"/>
+          </p:cNvPicPr>
+          <p:nvPr/>
+        </p:nvPicPr>
+        <p:blipFill>
+          <a:blip r:embed="rId3">
+            <a:extLst>
+              <a:ext uri="{28A0092B-C50C-407E-A947-70E740481C1C}">
+                <a14:useLocalDpi xmlns:a14="http://schemas.microsoft.com/office/drawing/2010/main" val="0"/>
+              </a:ext>
+            </a:extLst>
+          </a:blip>
+          <a:stretch>
+            <a:fillRect/>
+          </a:stretch>
+        </p:blipFill>
+        <p:spPr>
+          <a:xfrm>
+            <a:off x="227456" y="4251505"/>
+            <a:ext cx="763525" cy="763525"/>
+          </a:xfrm>
+          <a:prstGeom prst="rect">
+            <a:avLst/>
+          </a:prstGeom>
+        </p:spPr>
+      </p:pic>
     </p:spTree>
     <p:extLst>
       <p:ext uri="{BB962C8B-B14F-4D97-AF65-F5344CB8AC3E}">
@@ -7245,15 +7958,33 @@
                                   </p:childTnLst>
                                 </p:cTn>
                               </p:par>
+                            </p:childTnLst>
+                          </p:cTn>
+                        </p:par>
+                      </p:childTnLst>
+                    </p:cTn>
+                  </p:par>
+                  <p:par>
+                    <p:cTn id="20" fill="hold">
+                      <p:stCondLst>
+                        <p:cond delay="indefinite"/>
+                      </p:stCondLst>
+                      <p:childTnLst>
+                        <p:par>
+                          <p:cTn id="21" fill="hold">
+                            <p:stCondLst>
+                              <p:cond delay="0"/>
+                            </p:stCondLst>
+                            <p:childTnLst>
                               <p:par>
-                                <p:cTn id="20" presetID="2" presetClass="entr" presetSubtype="4" fill="hold" grpId="0" nodeType="withEffect">
+                                <p:cTn id="22" presetID="2" presetClass="entr" presetSubtype="4" fill="hold" grpId="0" nodeType="clickEffect">
                                   <p:stCondLst>
                                     <p:cond delay="0"/>
                                   </p:stCondLst>
                                   <p:childTnLst>
                                     <p:set>
                                       <p:cBhvr>
-                                        <p:cTn id="21" dur="1" fill="hold">
+                                        <p:cTn id="23" dur="1" fill="hold">
                                           <p:stCondLst>
                                             <p:cond delay="0"/>
                                           </p:stCondLst>
@@ -7275,7 +8006,7 @@
                                     </p:set>
                                     <p:anim calcmode="lin" valueType="num">
                                       <p:cBhvr additive="base">
-                                        <p:cTn id="22" dur="500" fill="hold"/>
+                                        <p:cTn id="24" dur="500" fill="hold"/>
                                         <p:tgtEl>
                                           <p:spTgt spid="5">
                                             <p:txEl>
@@ -7302,7 +8033,7 @@
                                     </p:anim>
                                     <p:anim calcmode="lin" valueType="num">
                                       <p:cBhvr additive="base">
-                                        <p:cTn id="23" dur="500" fill="hold"/>
+                                        <p:cTn id="25" dur="500" fill="hold"/>
                                         <p:tgtEl>
                                           <p:spTgt spid="5">
                                             <p:txEl>
@@ -7337,26 +8068,26 @@
                     </p:cTn>
                   </p:par>
                   <p:par>
-                    <p:cTn id="24" fill="hold">
+                    <p:cTn id="26" fill="hold">
                       <p:stCondLst>
                         <p:cond delay="indefinite"/>
                       </p:stCondLst>
                       <p:childTnLst>
                         <p:par>
-                          <p:cTn id="25" fill="hold">
+                          <p:cTn id="27" fill="hold">
                             <p:stCondLst>
                               <p:cond delay="0"/>
                             </p:stCondLst>
                             <p:childTnLst>
                               <p:par>
-                                <p:cTn id="26" presetID="2" presetClass="entr" presetSubtype="4" fill="hold" nodeType="clickEffect">
+                                <p:cTn id="28" presetID="2" presetClass="entr" presetSubtype="4" fill="hold" nodeType="clickEffect">
                                   <p:stCondLst>
                                     <p:cond delay="0"/>
                                   </p:stCondLst>
                                   <p:childTnLst>
                                     <p:set>
                                       <p:cBhvr>
-                                        <p:cTn id="27" dur="1" fill="hold">
+                                        <p:cTn id="29" dur="1" fill="hold">
                                           <p:stCondLst>
                                             <p:cond delay="0"/>
                                           </p:stCondLst>
@@ -7374,7 +8105,7 @@
                                     </p:set>
                                     <p:anim calcmode="lin" valueType="num">
                                       <p:cBhvr additive="base">
-                                        <p:cTn id="28" dur="500" fill="hold"/>
+                                        <p:cTn id="30" dur="500" fill="hold"/>
                                         <p:tgtEl>
                                           <p:spTgt spid="13"/>
                                         </p:tgtEl>
@@ -7397,7 +8128,7 @@
                                     </p:anim>
                                     <p:anim calcmode="lin" valueType="num">
                                       <p:cBhvr additive="base">
-                                        <p:cTn id="29" dur="500" fill="hold"/>
+                                        <p:cTn id="31" dur="500" fill="hold"/>
                                         <p:tgtEl>
                                           <p:spTgt spid="13"/>
                                         </p:tgtEl>
@@ -7428,26 +8159,26 @@
                     </p:cTn>
                   </p:par>
                   <p:par>
-                    <p:cTn id="30" fill="hold">
+                    <p:cTn id="32" fill="hold">
                       <p:stCondLst>
                         <p:cond delay="indefinite"/>
                       </p:stCondLst>
                       <p:childTnLst>
                         <p:par>
-                          <p:cTn id="31" fill="hold">
+                          <p:cTn id="33" fill="hold">
                             <p:stCondLst>
                               <p:cond delay="0"/>
                             </p:stCondLst>
                             <p:childTnLst>
                               <p:par>
-                                <p:cTn id="32" presetID="2" presetClass="entr" presetSubtype="4" fill="hold" grpId="0" nodeType="clickEffect">
+                                <p:cTn id="34" presetID="2" presetClass="entr" presetSubtype="4" fill="hold" grpId="0" nodeType="clickEffect">
                                   <p:stCondLst>
                                     <p:cond delay="0"/>
                                   </p:stCondLst>
                                   <p:childTnLst>
                                     <p:set>
                                       <p:cBhvr>
-                                        <p:cTn id="33" dur="1" fill="hold">
+                                        <p:cTn id="35" dur="1" fill="hold">
                                           <p:stCondLst>
                                             <p:cond delay="0"/>
                                           </p:stCondLst>
@@ -7469,7 +8200,7 @@
                                     </p:set>
                                     <p:anim calcmode="lin" valueType="num">
                                       <p:cBhvr additive="base">
-                                        <p:cTn id="34" dur="500" fill="hold"/>
+                                        <p:cTn id="36" dur="500" fill="hold"/>
                                         <p:tgtEl>
                                           <p:spTgt spid="12">
                                             <p:txEl>
@@ -7496,7 +8227,7 @@
                                     </p:anim>
                                     <p:anim calcmode="lin" valueType="num">
                                       <p:cBhvr additive="base">
-                                        <p:cTn id="35" dur="500" fill="hold"/>
+                                        <p:cTn id="37" dur="500" fill="hold"/>
                                         <p:tgtEl>
                                           <p:spTgt spid="12">
                                             <p:txEl>
@@ -7531,32 +8262,36 @@
                     </p:cTn>
                   </p:par>
                   <p:par>
-                    <p:cTn id="36" fill="hold">
+                    <p:cTn id="38" fill="hold">
                       <p:stCondLst>
                         <p:cond delay="indefinite"/>
                       </p:stCondLst>
                       <p:childTnLst>
                         <p:par>
-                          <p:cTn id="37" fill="hold">
+                          <p:cTn id="39" fill="hold">
                             <p:stCondLst>
                               <p:cond delay="0"/>
                             </p:stCondLst>
                             <p:childTnLst>
                               <p:par>
-                                <p:cTn id="38" presetID="2" presetClass="entr" presetSubtype="4" fill="hold" nodeType="clickEffect">
+                                <p:cTn id="40" presetID="2" presetClass="entr" presetSubtype="4" fill="hold" grpId="0" nodeType="clickEffect">
                                   <p:stCondLst>
                                     <p:cond delay="0"/>
                                   </p:stCondLst>
                                   <p:childTnLst>
                                     <p:set>
                                       <p:cBhvr>
-                                        <p:cTn id="39" dur="1" fill="hold">
+                                        <p:cTn id="41" dur="1" fill="hold">
                                           <p:stCondLst>
                                             <p:cond delay="0"/>
                                           </p:stCondLst>
                                         </p:cTn>
                                         <p:tgtEl>
-                                          <p:spTgt spid="15"/>
+                                          <p:spTgt spid="12">
+                                            <p:txEl>
+                                              <p:pRg st="1" end="1"/>
+                                            </p:txEl>
+                                          </p:spTgt>
                                         </p:tgtEl>
                                         <p:attrNameLst>
                                           <p:attrName>style.visibility</p:attrName>
@@ -7568,9 +8303,13 @@
                                     </p:set>
                                     <p:anim calcmode="lin" valueType="num">
                                       <p:cBhvr additive="base">
-                                        <p:cTn id="40" dur="500" fill="hold"/>
-                                        <p:tgtEl>
-                                          <p:spTgt spid="15"/>
+                                        <p:cTn id="42" dur="500" fill="hold"/>
+                                        <p:tgtEl>
+                                          <p:spTgt spid="12">
+                                            <p:txEl>
+                                              <p:pRg st="1" end="1"/>
+                                            </p:txEl>
+                                          </p:spTgt>
                                         </p:tgtEl>
                                         <p:attrNameLst>
                                           <p:attrName>ppt_x</p:attrName>
@@ -7591,9 +8330,13 @@
                                     </p:anim>
                                     <p:anim calcmode="lin" valueType="num">
                                       <p:cBhvr additive="base">
-                                        <p:cTn id="41" dur="500" fill="hold"/>
-                                        <p:tgtEl>
-                                          <p:spTgt spid="15"/>
+                                        <p:cTn id="43" dur="500" fill="hold"/>
+                                        <p:tgtEl>
+                                          <p:spTgt spid="12">
+                                            <p:txEl>
+                                              <p:pRg st="1" end="1"/>
+                                            </p:txEl>
+                                          </p:spTgt>
                                         </p:tgtEl>
                                         <p:attrNameLst>
                                           <p:attrName>ppt_y</p:attrName>
@@ -7622,36 +8365,32 @@
                     </p:cTn>
                   </p:par>
                   <p:par>
-                    <p:cTn id="42" fill="hold">
+                    <p:cTn id="44" fill="hold">
                       <p:stCondLst>
                         <p:cond delay="indefinite"/>
                       </p:stCondLst>
                       <p:childTnLst>
                         <p:par>
-                          <p:cTn id="43" fill="hold">
+                          <p:cTn id="45" fill="hold">
                             <p:stCondLst>
                               <p:cond delay="0"/>
                             </p:stCondLst>
                             <p:childTnLst>
                               <p:par>
-                                <p:cTn id="44" presetID="2" presetClass="entr" presetSubtype="4" fill="hold" grpId="0" nodeType="clickEffect">
+                                <p:cTn id="46" presetID="2" presetClass="entr" presetSubtype="4" fill="hold" nodeType="clickEffect">
                                   <p:stCondLst>
                                     <p:cond delay="0"/>
                                   </p:stCondLst>
                                   <p:childTnLst>
                                     <p:set>
                                       <p:cBhvr>
-                                        <p:cTn id="45" dur="1" fill="hold">
+                                        <p:cTn id="47" dur="1" fill="hold">
                                           <p:stCondLst>
                                             <p:cond delay="0"/>
                                           </p:stCondLst>
                                         </p:cTn>
                                         <p:tgtEl>
-                                          <p:spTgt spid="14">
-                                            <p:txEl>
-                                              <p:pRg st="0" end="0"/>
-                                            </p:txEl>
-                                          </p:spTgt>
+                                          <p:spTgt spid="15"/>
                                         </p:tgtEl>
                                         <p:attrNameLst>
                                           <p:attrName>style.visibility</p:attrName>
@@ -7663,13 +8402,9 @@
                                     </p:set>
                                     <p:anim calcmode="lin" valueType="num">
                                       <p:cBhvr additive="base">
-                                        <p:cTn id="46" dur="500" fill="hold"/>
-                                        <p:tgtEl>
-                                          <p:spTgt spid="14">
-                                            <p:txEl>
-                                              <p:pRg st="0" end="0"/>
-                                            </p:txEl>
-                                          </p:spTgt>
+                                        <p:cTn id="48" dur="500" fill="hold"/>
+                                        <p:tgtEl>
+                                          <p:spTgt spid="15"/>
                                         </p:tgtEl>
                                         <p:attrNameLst>
                                           <p:attrName>ppt_x</p:attrName>
@@ -7690,13 +8425,9 @@
                                     </p:anim>
                                     <p:anim calcmode="lin" valueType="num">
                                       <p:cBhvr additive="base">
-                                        <p:cTn id="47" dur="500" fill="hold"/>
-                                        <p:tgtEl>
-                                          <p:spTgt spid="14">
-                                            <p:txEl>
-                                              <p:pRg st="0" end="0"/>
-                                            </p:txEl>
-                                          </p:spTgt>
+                                        <p:cTn id="49" dur="500" fill="hold"/>
+                                        <p:tgtEl>
+                                          <p:spTgt spid="15"/>
                                         </p:tgtEl>
                                         <p:attrNameLst>
                                           <p:attrName>ppt_y</p:attrName>
@@ -7718,15 +8449,33 @@
                                   </p:childTnLst>
                                 </p:cTn>
                               </p:par>
+                            </p:childTnLst>
+                          </p:cTn>
+                        </p:par>
+                      </p:childTnLst>
+                    </p:cTn>
+                  </p:par>
+                  <p:par>
+                    <p:cTn id="50" fill="hold">
+                      <p:stCondLst>
+                        <p:cond delay="indefinite"/>
+                      </p:stCondLst>
+                      <p:childTnLst>
+                        <p:par>
+                          <p:cTn id="51" fill="hold">
+                            <p:stCondLst>
+                              <p:cond delay="0"/>
+                            </p:stCondLst>
+                            <p:childTnLst>
                               <p:par>
-                                <p:cTn id="48" presetID="2" presetClass="entr" presetSubtype="4" fill="hold" grpId="0" nodeType="withEffect">
+                                <p:cTn id="52" presetID="2" presetClass="entr" presetSubtype="4" fill="hold" grpId="0" nodeType="clickEffect">
                                   <p:stCondLst>
                                     <p:cond delay="0"/>
                                   </p:stCondLst>
                                   <p:childTnLst>
                                     <p:set>
                                       <p:cBhvr>
-                                        <p:cTn id="49" dur="1" fill="hold">
+                                        <p:cTn id="53" dur="1" fill="hold">
                                           <p:stCondLst>
                                             <p:cond delay="0"/>
                                           </p:stCondLst>
@@ -7734,7 +8483,7 @@
                                         <p:tgtEl>
                                           <p:spTgt spid="14">
                                             <p:txEl>
-                                              <p:pRg st="1" end="1"/>
+                                              <p:pRg st="0" end="0"/>
                                             </p:txEl>
                                           </p:spTgt>
                                         </p:tgtEl>
@@ -7748,11 +8497,11 @@
                                     </p:set>
                                     <p:anim calcmode="lin" valueType="num">
                                       <p:cBhvr additive="base">
-                                        <p:cTn id="50" dur="500" fill="hold"/>
+                                        <p:cTn id="54" dur="500" fill="hold"/>
                                         <p:tgtEl>
                                           <p:spTgt spid="14">
                                             <p:txEl>
-                                              <p:pRg st="1" end="1"/>
+                                              <p:pRg st="0" end="0"/>
                                             </p:txEl>
                                           </p:spTgt>
                                         </p:tgtEl>
@@ -7775,7 +8524,110 @@
                                     </p:anim>
                                     <p:anim calcmode="lin" valueType="num">
                                       <p:cBhvr additive="base">
-                                        <p:cTn id="51" dur="500" fill="hold"/>
+                                        <p:cTn id="55" dur="500" fill="hold"/>
+                                        <p:tgtEl>
+                                          <p:spTgt spid="14">
+                                            <p:txEl>
+                                              <p:pRg st="0" end="0"/>
+                                            </p:txEl>
+                                          </p:spTgt>
+                                        </p:tgtEl>
+                                        <p:attrNameLst>
+                                          <p:attrName>ppt_y</p:attrName>
+                                        </p:attrNameLst>
+                                      </p:cBhvr>
+                                      <p:tavLst>
+                                        <p:tav tm="0">
+                                          <p:val>
+                                            <p:strVal val="1+#ppt_h/2"/>
+                                          </p:val>
+                                        </p:tav>
+                                        <p:tav tm="100000">
+                                          <p:val>
+                                            <p:strVal val="#ppt_y"/>
+                                          </p:val>
+                                        </p:tav>
+                                      </p:tavLst>
+                                    </p:anim>
+                                  </p:childTnLst>
+                                </p:cTn>
+                              </p:par>
+                            </p:childTnLst>
+                          </p:cTn>
+                        </p:par>
+                      </p:childTnLst>
+                    </p:cTn>
+                  </p:par>
+                  <p:par>
+                    <p:cTn id="56" fill="hold">
+                      <p:stCondLst>
+                        <p:cond delay="indefinite"/>
+                      </p:stCondLst>
+                      <p:childTnLst>
+                        <p:par>
+                          <p:cTn id="57" fill="hold">
+                            <p:stCondLst>
+                              <p:cond delay="0"/>
+                            </p:stCondLst>
+                            <p:childTnLst>
+                              <p:par>
+                                <p:cTn id="58" presetID="2" presetClass="entr" presetSubtype="4" fill="hold" grpId="0" nodeType="clickEffect">
+                                  <p:stCondLst>
+                                    <p:cond delay="0"/>
+                                  </p:stCondLst>
+                                  <p:childTnLst>
+                                    <p:set>
+                                      <p:cBhvr>
+                                        <p:cTn id="59" dur="1" fill="hold">
+                                          <p:stCondLst>
+                                            <p:cond delay="0"/>
+                                          </p:stCondLst>
+                                        </p:cTn>
+                                        <p:tgtEl>
+                                          <p:spTgt spid="14">
+                                            <p:txEl>
+                                              <p:pRg st="1" end="1"/>
+                                            </p:txEl>
+                                          </p:spTgt>
+                                        </p:tgtEl>
+                                        <p:attrNameLst>
+                                          <p:attrName>style.visibility</p:attrName>
+                                        </p:attrNameLst>
+                                      </p:cBhvr>
+                                      <p:to>
+                                        <p:strVal val="visible"/>
+                                      </p:to>
+                                    </p:set>
+                                    <p:anim calcmode="lin" valueType="num">
+                                      <p:cBhvr additive="base">
+                                        <p:cTn id="60" dur="500" fill="hold"/>
+                                        <p:tgtEl>
+                                          <p:spTgt spid="14">
+                                            <p:txEl>
+                                              <p:pRg st="1" end="1"/>
+                                            </p:txEl>
+                                          </p:spTgt>
+                                        </p:tgtEl>
+                                        <p:attrNameLst>
+                                          <p:attrName>ppt_x</p:attrName>
+                                        </p:attrNameLst>
+                                      </p:cBhvr>
+                                      <p:tavLst>
+                                        <p:tav tm="0">
+                                          <p:val>
+                                            <p:strVal val="#ppt_x"/>
+                                          </p:val>
+                                        </p:tav>
+                                        <p:tav tm="100000">
+                                          <p:val>
+                                            <p:strVal val="#ppt_x"/>
+                                          </p:val>
+                                        </p:tav>
+                                      </p:tavLst>
+                                    </p:anim>
+                                    <p:anim calcmode="lin" valueType="num">
+                                      <p:cBhvr additive="base">
+                                        <p:cTn id="61" dur="500" fill="hold"/>
                                         <p:tgtEl>
                                           <p:spTgt spid="14">
                                             <p:txEl>
@@ -9433,6 +10285,36 @@
           </a:extLst>
         </p:spPr>
       </p:pic>
+      <p:pic>
+        <p:nvPicPr>
+          <p:cNvPr id="2" name="Picture 1"/>
+          <p:cNvPicPr>
+            <a:picLocks noChangeAspect="1"/>
+          </p:cNvPicPr>
+          <p:nvPr/>
+        </p:nvPicPr>
+        <p:blipFill>
+          <a:blip r:embed="rId3">
+            <a:extLst>
+              <a:ext uri="{28A0092B-C50C-407E-A947-70E740481C1C}">
+                <a14:useLocalDpi xmlns:a14="http://schemas.microsoft.com/office/drawing/2010/main" val="0"/>
+              </a:ext>
+            </a:extLst>
+          </a:blip>
+          <a:stretch>
+            <a:fillRect/>
+          </a:stretch>
+        </p:blipFill>
+        <p:spPr>
+          <a:xfrm>
+            <a:off x="143554" y="4404210"/>
+            <a:ext cx="610821" cy="610821"/>
+          </a:xfrm>
+          <a:prstGeom prst="rect">
+            <a:avLst/>
+          </a:prstGeom>
+        </p:spPr>
+      </p:pic>
     </p:spTree>
     <p:extLst>
       <p:ext uri="{BB962C8B-B14F-4D97-AF65-F5344CB8AC3E}">
@@ -9829,6 +10711,36 @@
             <a:off x="4266591" y="1350111"/>
             <a:ext cx="4580548" cy="3512213"/>
           </a:xfrm>
+        </p:spPr>
+      </p:pic>
+      <p:pic>
+        <p:nvPicPr>
+          <p:cNvPr id="6" name="Picture 5"/>
+          <p:cNvPicPr>
+            <a:picLocks noChangeAspect="1"/>
+          </p:cNvPicPr>
+          <p:nvPr/>
+        </p:nvPicPr>
+        <p:blipFill>
+          <a:blip r:embed="rId3">
+            <a:extLst>
+              <a:ext uri="{28A0092B-C50C-407E-A947-70E740481C1C}">
+                <a14:useLocalDpi xmlns:a14="http://schemas.microsoft.com/office/drawing/2010/main" val="0"/>
+              </a:ext>
+            </a:extLst>
+          </a:blip>
+          <a:stretch>
+            <a:fillRect/>
+          </a:stretch>
+        </p:blipFill>
+        <p:spPr>
+          <a:xfrm>
+            <a:off x="143554" y="4402378"/>
+            <a:ext cx="610821" cy="610821"/>
+          </a:xfrm>
+          <a:prstGeom prst="rect">
+            <a:avLst/>
+          </a:prstGeom>
         </p:spPr>
       </p:pic>
     </p:spTree>
@@ -10214,6 +11126,36 @@
           </a:xfrm>
         </p:spPr>
       </p:pic>
+      <p:pic>
+        <p:nvPicPr>
+          <p:cNvPr id="6" name="Picture 5"/>
+          <p:cNvPicPr>
+            <a:picLocks noChangeAspect="1"/>
+          </p:cNvPicPr>
+          <p:nvPr/>
+        </p:nvPicPr>
+        <p:blipFill>
+          <a:blip r:embed="rId3">
+            <a:extLst>
+              <a:ext uri="{28A0092B-C50C-407E-A947-70E740481C1C}">
+                <a14:useLocalDpi xmlns:a14="http://schemas.microsoft.com/office/drawing/2010/main" val="0"/>
+              </a:ext>
+            </a:extLst>
+          </a:blip>
+          <a:stretch>
+            <a:fillRect/>
+          </a:stretch>
+        </p:blipFill>
+        <p:spPr>
+          <a:xfrm>
+            <a:off x="143554" y="4402378"/>
+            <a:ext cx="610821" cy="610821"/>
+          </a:xfrm>
+          <a:prstGeom prst="rect">
+            <a:avLst/>
+          </a:prstGeom>
+        </p:spPr>
+      </p:pic>
     </p:spTree>
     <p:extLst>
       <p:ext uri="{BB962C8B-B14F-4D97-AF65-F5344CB8AC3E}">
@@ -10595,6 +11537,36 @@
             <a:off x="5391255" y="1349375"/>
             <a:ext cx="2514391" cy="3513138"/>
           </a:xfrm>
+        </p:spPr>
+      </p:pic>
+      <p:pic>
+        <p:nvPicPr>
+          <p:cNvPr id="5" name="Picture 4"/>
+          <p:cNvPicPr>
+            <a:picLocks noChangeAspect="1"/>
+          </p:cNvPicPr>
+          <p:nvPr/>
+        </p:nvPicPr>
+        <p:blipFill>
+          <a:blip r:embed="rId3">
+            <a:extLst>
+              <a:ext uri="{28A0092B-C50C-407E-A947-70E740481C1C}">
+                <a14:useLocalDpi xmlns:a14="http://schemas.microsoft.com/office/drawing/2010/main" val="0"/>
+              </a:ext>
+            </a:extLst>
+          </a:blip>
+          <a:stretch>
+            <a:fillRect/>
+          </a:stretch>
+        </p:blipFill>
+        <p:spPr>
+          <a:xfrm>
+            <a:off x="143554" y="4402378"/>
+            <a:ext cx="610821" cy="610821"/>
+          </a:xfrm>
+          <a:prstGeom prst="rect">
+            <a:avLst/>
+          </a:prstGeom>
         </p:spPr>
       </p:pic>
     </p:spTree>
